--- a/第二回/第二回資料.pptx
+++ b/第二回/第二回資料.pptx
@@ -5,10 +5,10 @@
     <p:sldMasterId id="2147483660" r:id="rId1"/>
   </p:sldMasterIdLst>
   <p:notesMasterIdLst>
-    <p:notesMasterId r:id="rId10"/>
+    <p:notesMasterId r:id="rId13"/>
   </p:notesMasterIdLst>
   <p:handoutMasterIdLst>
-    <p:handoutMasterId r:id="rId11"/>
+    <p:handoutMasterId r:id="rId14"/>
   </p:handoutMasterIdLst>
   <p:sldIdLst>
     <p:sldId id="296" r:id="rId2"/>
@@ -16,9 +16,12 @@
     <p:sldId id="312" r:id="rId4"/>
     <p:sldId id="319" r:id="rId5"/>
     <p:sldId id="320" r:id="rId6"/>
-    <p:sldId id="321" r:id="rId7"/>
-    <p:sldId id="323" r:id="rId8"/>
-    <p:sldId id="322" r:id="rId9"/>
+    <p:sldId id="325" r:id="rId7"/>
+    <p:sldId id="324" r:id="rId8"/>
+    <p:sldId id="326" r:id="rId9"/>
+    <p:sldId id="321" r:id="rId10"/>
+    <p:sldId id="323" r:id="rId11"/>
+    <p:sldId id="322" r:id="rId12"/>
   </p:sldIdLst>
   <p:sldSz cx="9144000" cy="6858000" type="screen4x3"/>
   <p:notesSz cx="6858000" cy="9144000"/>
@@ -4227,28 +4230,14 @@
                 <a:latin typeface="+mj-ea"/>
                 <a:ea typeface="+mj-ea"/>
               </a:rPr>
-              <a:t>新納真次郎（一期生</a:t>
+              <a:t>新納真次郎（中村研</a:t>
             </a:r>
             <a:r>
               <a:rPr lang="en-US" altLang="ja-JP" sz="3600" dirty="0">
                 <a:latin typeface="+mj-ea"/>
                 <a:ea typeface="+mj-ea"/>
               </a:rPr>
-              <a:t>/</a:t>
-            </a:r>
-            <a:r>
-              <a:rPr lang="ja-JP" altLang="en-US" sz="3600">
-                <a:latin typeface="+mj-ea"/>
-                <a:ea typeface="+mj-ea"/>
-              </a:rPr>
-              <a:t>元</a:t>
-            </a:r>
-            <a:r>
-              <a:rPr lang="en-US" altLang="ja-JP" sz="3600" dirty="0">
-                <a:latin typeface="+mj-ea"/>
-                <a:ea typeface="+mj-ea"/>
-              </a:rPr>
-              <a:t>Yahoo</a:t>
+              <a:t>OB</a:t>
             </a:r>
             <a:r>
               <a:rPr lang="ja-JP" altLang="en-US" sz="3600">
@@ -4310,6 +4299,296 @@
     <p:extLst>
       <p:ext uri="{BB962C8B-B14F-4D97-AF65-F5344CB8AC3E}">
         <p14:creationId xmlns:p14="http://schemas.microsoft.com/office/powerpoint/2010/main" val="27141101"/>
+      </p:ext>
+    </p:extLst>
+  </p:cSld>
+  <p:clrMapOvr>
+    <a:masterClrMapping/>
+  </p:clrMapOvr>
+</p:sld>
+</file>
+
+<file path=ppt/slides/slide10.xml><?xml version="1.0" encoding="utf-8"?>
+<p:sld xmlns:a="http://schemas.openxmlformats.org/drawingml/2006/main" xmlns:r="http://schemas.openxmlformats.org/officeDocument/2006/relationships" xmlns:p="http://schemas.openxmlformats.org/presentationml/2006/main">
+  <p:cSld>
+    <p:spTree>
+      <p:nvGrpSpPr>
+        <p:cNvPr id="1" name=""/>
+        <p:cNvGrpSpPr/>
+        <p:nvPr/>
+      </p:nvGrpSpPr>
+      <p:grpSpPr>
+        <a:xfrm>
+          <a:off x="0" y="0"/>
+          <a:ext cx="0" cy="0"/>
+          <a:chOff x="0" y="0"/>
+          <a:chExt cx="0" cy="0"/>
+        </a:xfrm>
+      </p:grpSpPr>
+      <p:sp>
+        <p:nvSpPr>
+          <p:cNvPr id="2" name="タイトル 1">
+            <a:extLst>
+              <a:ext uri="{FF2B5EF4-FFF2-40B4-BE49-F238E27FC236}">
+                <a16:creationId xmlns:a16="http://schemas.microsoft.com/office/drawing/2014/main" id="{AAA1684D-FCA2-A349-9B60-F88DDECC04C2}"/>
+              </a:ext>
+            </a:extLst>
+          </p:cNvPr>
+          <p:cNvSpPr>
+            <a:spLocks noGrp="1"/>
+          </p:cNvSpPr>
+          <p:nvPr>
+            <p:ph type="title"/>
+          </p:nvPr>
+        </p:nvSpPr>
+        <p:spPr/>
+        <p:txBody>
+          <a:bodyPr/>
+          <a:lstStyle/>
+          <a:p>
+            <a:r>
+              <a:rPr kumimoji="1" lang="ja-JP" altLang="en-US"/>
+              <a:t>演習</a:t>
+            </a:r>
+            <a:r>
+              <a:rPr lang="ja-JP" altLang="en-US"/>
+              <a:t>（</a:t>
+            </a:r>
+            <a:r>
+              <a:rPr lang="en-US" altLang="ja-JP" dirty="0"/>
+              <a:t>1</a:t>
+            </a:r>
+            <a:r>
+              <a:rPr lang="ja-JP" altLang="en-US"/>
+              <a:t>）</a:t>
+            </a:r>
+            <a:endParaRPr kumimoji="1" lang="ja-JP" altLang="en-US"/>
+          </a:p>
+        </p:txBody>
+      </p:sp>
+      <p:sp>
+        <p:nvSpPr>
+          <p:cNvPr id="3" name="コンテンツ プレースホルダー 2">
+            <a:extLst>
+              <a:ext uri="{FF2B5EF4-FFF2-40B4-BE49-F238E27FC236}">
+                <a16:creationId xmlns:a16="http://schemas.microsoft.com/office/drawing/2014/main" id="{7D41618D-2323-B245-B142-638FB453A622}"/>
+              </a:ext>
+            </a:extLst>
+          </p:cNvPr>
+          <p:cNvSpPr>
+            <a:spLocks noGrp="1"/>
+          </p:cNvSpPr>
+          <p:nvPr>
+            <p:ph idx="1"/>
+          </p:nvPr>
+        </p:nvSpPr>
+        <p:spPr/>
+        <p:txBody>
+          <a:bodyPr/>
+          <a:lstStyle/>
+          <a:p>
+            <a:r>
+              <a:rPr kumimoji="1" lang="ja-JP" altLang="en-US"/>
+              <a:t>ボタンを押したらラベルの値を</a:t>
+            </a:r>
+            <a:r>
+              <a:rPr lang="en-US" altLang="ja-JP" dirty="0"/>
+              <a:t>HelloWorld</a:t>
+            </a:r>
+            <a:r>
+              <a:rPr lang="ja-JP" altLang="en-US"/>
+              <a:t>に書き換えよう</a:t>
+            </a:r>
+            <a:endParaRPr kumimoji="1" lang="ja-JP" altLang="en-US"/>
+          </a:p>
+        </p:txBody>
+      </p:sp>
+      <p:pic>
+        <p:nvPicPr>
+          <p:cNvPr id="4" name="図 3">
+            <a:extLst>
+              <a:ext uri="{FF2B5EF4-FFF2-40B4-BE49-F238E27FC236}">
+                <a16:creationId xmlns:a16="http://schemas.microsoft.com/office/drawing/2014/main" id="{BE753B4E-A199-3A46-9C30-065AB81B88C4}"/>
+              </a:ext>
+            </a:extLst>
+          </p:cNvPr>
+          <p:cNvPicPr>
+            <a:picLocks noChangeAspect="1"/>
+          </p:cNvPicPr>
+          <p:nvPr/>
+        </p:nvPicPr>
+        <p:blipFill>
+          <a:blip r:embed="rId2"/>
+          <a:stretch>
+            <a:fillRect/>
+          </a:stretch>
+        </p:blipFill>
+        <p:spPr>
+          <a:xfrm>
+            <a:off x="4874789" y="3352800"/>
+            <a:ext cx="3291507" cy="6858000"/>
+          </a:xfrm>
+          <a:prstGeom prst="rect">
+            <a:avLst/>
+          </a:prstGeom>
+        </p:spPr>
+      </p:pic>
+      <p:pic>
+        <p:nvPicPr>
+          <p:cNvPr id="5" name="図 4">
+            <a:extLst>
+              <a:ext uri="{FF2B5EF4-FFF2-40B4-BE49-F238E27FC236}">
+                <a16:creationId xmlns:a16="http://schemas.microsoft.com/office/drawing/2014/main" id="{E7D28A22-0079-F445-9ECD-78A5177F4A2E}"/>
+              </a:ext>
+            </a:extLst>
+          </p:cNvPr>
+          <p:cNvPicPr>
+            <a:picLocks noChangeAspect="1"/>
+          </p:cNvPicPr>
+          <p:nvPr/>
+        </p:nvPicPr>
+        <p:blipFill>
+          <a:blip r:embed="rId3"/>
+          <a:stretch>
+            <a:fillRect/>
+          </a:stretch>
+        </p:blipFill>
+        <p:spPr>
+          <a:xfrm>
+            <a:off x="1583282" y="3352800"/>
+            <a:ext cx="3291507" cy="6858000"/>
+          </a:xfrm>
+          <a:prstGeom prst="rect">
+            <a:avLst/>
+          </a:prstGeom>
+        </p:spPr>
+      </p:pic>
+    </p:spTree>
+    <p:extLst>
+      <p:ext uri="{BB962C8B-B14F-4D97-AF65-F5344CB8AC3E}">
+        <p14:creationId xmlns:p14="http://schemas.microsoft.com/office/powerpoint/2010/main" val="4256771839"/>
+      </p:ext>
+    </p:extLst>
+  </p:cSld>
+  <p:clrMapOvr>
+    <a:masterClrMapping/>
+  </p:clrMapOvr>
+</p:sld>
+</file>
+
+<file path=ppt/slides/slide11.xml><?xml version="1.0" encoding="utf-8"?>
+<p:sld xmlns:a="http://schemas.openxmlformats.org/drawingml/2006/main" xmlns:r="http://schemas.openxmlformats.org/officeDocument/2006/relationships" xmlns:p="http://schemas.openxmlformats.org/presentationml/2006/main">
+  <p:cSld>
+    <p:spTree>
+      <p:nvGrpSpPr>
+        <p:cNvPr id="1" name=""/>
+        <p:cNvGrpSpPr/>
+        <p:nvPr/>
+      </p:nvGrpSpPr>
+      <p:grpSpPr>
+        <a:xfrm>
+          <a:off x="0" y="0"/>
+          <a:ext cx="0" cy="0"/>
+          <a:chOff x="0" y="0"/>
+          <a:chExt cx="0" cy="0"/>
+        </a:xfrm>
+      </p:grpSpPr>
+      <p:sp>
+        <p:nvSpPr>
+          <p:cNvPr id="2" name="タイトル 1">
+            <a:extLst>
+              <a:ext uri="{FF2B5EF4-FFF2-40B4-BE49-F238E27FC236}">
+                <a16:creationId xmlns:a16="http://schemas.microsoft.com/office/drawing/2014/main" id="{1C554F48-963C-E94F-BEA0-DC334A96A609}"/>
+              </a:ext>
+            </a:extLst>
+          </p:cNvPr>
+          <p:cNvSpPr>
+            <a:spLocks noGrp="1"/>
+          </p:cNvSpPr>
+          <p:nvPr>
+            <p:ph type="title"/>
+          </p:nvPr>
+        </p:nvSpPr>
+        <p:spPr/>
+        <p:txBody>
+          <a:bodyPr/>
+          <a:lstStyle/>
+          <a:p>
+            <a:r>
+              <a:rPr kumimoji="1" lang="ja-JP" altLang="en-US"/>
+              <a:t>演習（</a:t>
+            </a:r>
+            <a:r>
+              <a:rPr kumimoji="1" lang="en-US" altLang="ja-JP" dirty="0"/>
+              <a:t>2</a:t>
+            </a:r>
+            <a:r>
+              <a:rPr kumimoji="1" lang="ja-JP" altLang="en-US"/>
+              <a:t>）</a:t>
+            </a:r>
+          </a:p>
+        </p:txBody>
+      </p:sp>
+      <p:sp>
+        <p:nvSpPr>
+          <p:cNvPr id="3" name="コンテンツ プレースホルダー 2">
+            <a:extLst>
+              <a:ext uri="{FF2B5EF4-FFF2-40B4-BE49-F238E27FC236}">
+                <a16:creationId xmlns:a16="http://schemas.microsoft.com/office/drawing/2014/main" id="{24748B36-099C-EB41-804B-EDE6DF5487D1}"/>
+              </a:ext>
+            </a:extLst>
+          </p:cNvPr>
+          <p:cNvSpPr>
+            <a:spLocks noGrp="1"/>
+          </p:cNvSpPr>
+          <p:nvPr>
+            <p:ph idx="1"/>
+          </p:nvPr>
+        </p:nvSpPr>
+        <p:spPr/>
+        <p:txBody>
+          <a:bodyPr/>
+          <a:lstStyle/>
+          <a:p>
+            <a:r>
+              <a:rPr kumimoji="1" lang="ja-JP" altLang="en-US"/>
+              <a:t>ボタンを押したら後ろの</a:t>
+            </a:r>
+            <a:r>
+              <a:rPr kumimoji="1" lang="en-US" altLang="ja-JP" dirty="0"/>
+              <a:t>View</a:t>
+            </a:r>
+            <a:r>
+              <a:rPr kumimoji="1" lang="ja-JP" altLang="en-US"/>
+              <a:t>の色を赤くしよう</a:t>
+            </a:r>
+            <a:endParaRPr lang="en-US" altLang="ja-JP" dirty="0"/>
+          </a:p>
+          <a:p>
+            <a:r>
+              <a:rPr kumimoji="1" lang="ja-JP" altLang="en-US"/>
+              <a:t>ヒント</a:t>
+            </a:r>
+            <a:endParaRPr kumimoji="1" lang="en-US" altLang="ja-JP" dirty="0"/>
+          </a:p>
+          <a:p>
+            <a:pPr lvl="1"/>
+            <a:r>
+              <a:rPr lang="en-US" altLang="ja-JP" dirty="0" err="1"/>
+              <a:t>backgroundView.backgroundColor</a:t>
+            </a:r>
+            <a:r>
+              <a:rPr lang="en-US" altLang="ja-JP" dirty="0"/>
+              <a:t> = .red</a:t>
+            </a:r>
+            <a:endParaRPr kumimoji="1" lang="en-US" altLang="ja-JP" dirty="0"/>
+          </a:p>
+        </p:txBody>
+      </p:sp>
+    </p:spTree>
+    <p:extLst>
+      <p:ext uri="{BB962C8B-B14F-4D97-AF65-F5344CB8AC3E}">
+        <p14:creationId xmlns:p14="http://schemas.microsoft.com/office/powerpoint/2010/main" val="1143552511"/>
       </p:ext>
     </p:extLst>
   </p:cSld>
@@ -4383,7 +4662,7 @@
         <p:spPr/>
         <p:txBody>
           <a:bodyPr>
-            <a:normAutofit lnSpcReduction="10000"/>
+            <a:normAutofit/>
           </a:bodyPr>
           <a:lstStyle/>
           <a:p>
@@ -4496,17 +4775,6 @@
             <a:r>
               <a:rPr lang="ja-JP" altLang="en-US"/>
               <a:t>を押したら何らかを返す</a:t>
-            </a:r>
-            <a:endParaRPr lang="en-US" altLang="ja-JP" dirty="0"/>
-          </a:p>
-          <a:p>
-            <a:r>
-              <a:rPr lang="en-US" altLang="ja-JP" dirty="0" err="1"/>
-              <a:t>SwiftUI</a:t>
-            </a:r>
-            <a:r>
-              <a:rPr lang="ja-JP" altLang="en-US"/>
-              <a:t>について</a:t>
             </a:r>
             <a:endParaRPr lang="en-US" altLang="ja-JP" dirty="0"/>
           </a:p>
@@ -5178,7 +5446,7 @@
           <p:cNvPr id="2" name="タイトル 1">
             <a:extLst>
               <a:ext uri="{FF2B5EF4-FFF2-40B4-BE49-F238E27FC236}">
-                <a16:creationId xmlns:a16="http://schemas.microsoft.com/office/drawing/2014/main" id="{3DF27756-9AAC-5747-AE6C-E2FFBD48DA94}"/>
+                <a16:creationId xmlns:a16="http://schemas.microsoft.com/office/drawing/2014/main" id="{1BD7A694-7B86-D548-AAA4-40E46B10FBF6}"/>
               </a:ext>
             </a:extLst>
           </p:cNvPr>
@@ -5198,10 +5466,7 @@
               <a:rPr kumimoji="1" lang="en-US" altLang="ja-JP" dirty="0"/>
               <a:t>Storyboard</a:t>
             </a:r>
-            <a:r>
-              <a:rPr kumimoji="1" lang="ja-JP" altLang="en-US"/>
-              <a:t>操作</a:t>
-            </a:r>
+            <a:endParaRPr kumimoji="1" lang="ja-JP" altLang="en-US"/>
           </a:p>
         </p:txBody>
       </p:sp>
@@ -5210,7 +5475,7 @@
           <p:cNvPr id="3" name="コンテンツ プレースホルダー 2">
             <a:extLst>
               <a:ext uri="{FF2B5EF4-FFF2-40B4-BE49-F238E27FC236}">
-                <a16:creationId xmlns:a16="http://schemas.microsoft.com/office/drawing/2014/main" id="{28DA6E05-C74D-7142-8327-4400F846206C}"/>
+                <a16:creationId xmlns:a16="http://schemas.microsoft.com/office/drawing/2014/main" id="{261CE16C-858A-4D4B-8032-57C476AD94CD}"/>
               </a:ext>
             </a:extLst>
           </p:cNvPr>
@@ -5228,57 +5493,60 @@
           <a:p>
             <a:r>
               <a:rPr kumimoji="1" lang="en-US" altLang="ja-JP" dirty="0" err="1"/>
-              <a:t>Cmd</a:t>
+              <a:t>Main.storyboard</a:t>
             </a:r>
             <a:r>
               <a:rPr kumimoji="1" lang="en-US" altLang="ja-JP" dirty="0"/>
-              <a:t> + </a:t>
+              <a:t> </a:t>
             </a:r>
             <a:r>
               <a:rPr kumimoji="1" lang="ja-JP" altLang="en-US"/>
-              <a:t>ファイルクリックで</a:t>
-            </a:r>
-            <a:r>
-              <a:rPr lang="ja-JP" altLang="en-US"/>
-              <a:t>横並びに</a:t>
-            </a:r>
-            <a:endParaRPr lang="en-US" altLang="ja-JP" dirty="0"/>
-          </a:p>
-          <a:p>
-            <a:r>
-              <a:rPr kumimoji="1" lang="en-US" altLang="ja-JP" dirty="0"/>
-              <a:t>Ctrl</a:t>
-            </a:r>
-            <a:r>
-              <a:rPr kumimoji="1" lang="ja-JP" altLang="en-US"/>
-              <a:t>＋ドラッグ</a:t>
-            </a:r>
-            <a:r>
-              <a:rPr kumimoji="1" lang="en-US" altLang="ja-JP" dirty="0"/>
-              <a:t>&amp;</a:t>
-            </a:r>
-            <a:r>
-              <a:rPr kumimoji="1" lang="ja-JP" altLang="en-US"/>
-              <a:t>ドロップで部品に</a:t>
-            </a:r>
-            <a:br>
-              <a:rPr lang="en-US" altLang="ja-JP" dirty="0"/>
-            </a:br>
-            <a:r>
-              <a:rPr kumimoji="1" lang="ja-JP" altLang="en-US"/>
-              <a:t>アクションをつける</a:t>
+              <a:t>に記述する</a:t>
             </a:r>
             <a:endParaRPr kumimoji="1" lang="en-US" altLang="ja-JP" dirty="0"/>
           </a:p>
           <a:p>
-            <a:endParaRPr kumimoji="1" lang="en-US" altLang="ja-JP" dirty="0"/>
-          </a:p>
-        </p:txBody>
-      </p:sp>
+            <a:pPr marL="0" indent="0">
+              <a:buNone/>
+            </a:pPr>
+            <a:endParaRPr kumimoji="1" lang="ja-JP" altLang="en-US"/>
+          </a:p>
+        </p:txBody>
+      </p:sp>
+      <p:pic>
+        <p:nvPicPr>
+          <p:cNvPr id="4" name="図 3">
+            <a:extLst>
+              <a:ext uri="{FF2B5EF4-FFF2-40B4-BE49-F238E27FC236}">
+                <a16:creationId xmlns:a16="http://schemas.microsoft.com/office/drawing/2014/main" id="{84071B08-D19A-E147-9A11-EBBA453BD520}"/>
+              </a:ext>
+            </a:extLst>
+          </p:cNvPr>
+          <p:cNvPicPr>
+            <a:picLocks noChangeAspect="1"/>
+          </p:cNvPicPr>
+          <p:nvPr/>
+        </p:nvPicPr>
+        <p:blipFill>
+          <a:blip r:embed="rId2"/>
+          <a:stretch>
+            <a:fillRect/>
+          </a:stretch>
+        </p:blipFill>
+        <p:spPr>
+          <a:xfrm>
+            <a:off x="2298455" y="2634343"/>
+            <a:ext cx="5441288" cy="4223657"/>
+          </a:xfrm>
+          <a:prstGeom prst="rect">
+            <a:avLst/>
+          </a:prstGeom>
+        </p:spPr>
+      </p:pic>
     </p:spTree>
     <p:extLst>
       <p:ext uri="{BB962C8B-B14F-4D97-AF65-F5344CB8AC3E}">
-        <p14:creationId xmlns:p14="http://schemas.microsoft.com/office/powerpoint/2010/main" val="4203192845"/>
+        <p14:creationId xmlns:p14="http://schemas.microsoft.com/office/powerpoint/2010/main" val="2625308969"/>
       </p:ext>
     </p:extLst>
   </p:cSld>
@@ -5310,7 +5578,7 @@
           <p:cNvPr id="2" name="タイトル 1">
             <a:extLst>
               <a:ext uri="{FF2B5EF4-FFF2-40B4-BE49-F238E27FC236}">
-                <a16:creationId xmlns:a16="http://schemas.microsoft.com/office/drawing/2014/main" id="{AAA1684D-FCA2-A349-9B60-F88DDECC04C2}"/>
+                <a16:creationId xmlns:a16="http://schemas.microsoft.com/office/drawing/2014/main" id="{B1DCB5FB-CD58-7945-BB37-162E3E359481}"/>
               </a:ext>
             </a:extLst>
           </p:cNvPr>
@@ -5328,7 +5596,15 @@
           <a:p>
             <a:r>
               <a:rPr kumimoji="1" lang="ja-JP" altLang="en-US"/>
-              <a:t>演習</a:t>
+              <a:t>用意されている</a:t>
+            </a:r>
+            <a:r>
+              <a:rPr kumimoji="1" lang="en-US" altLang="ja-JP" dirty="0"/>
+              <a:t>UI</a:t>
+            </a:r>
+            <a:r>
+              <a:rPr kumimoji="1" lang="ja-JP" altLang="en-US"/>
+              <a:t>パーツ</a:t>
             </a:r>
           </a:p>
         </p:txBody>
@@ -5338,7 +5614,7 @@
           <p:cNvPr id="3" name="コンテンツ プレースホルダー 2">
             <a:extLst>
               <a:ext uri="{FF2B5EF4-FFF2-40B4-BE49-F238E27FC236}">
-                <a16:creationId xmlns:a16="http://schemas.microsoft.com/office/drawing/2014/main" id="{7D41618D-2323-B245-B142-638FB453A622}"/>
+                <a16:creationId xmlns:a16="http://schemas.microsoft.com/office/drawing/2014/main" id="{13AD4D21-4E62-3E4C-9FF0-230F9DFF5C1D}"/>
               </a:ext>
             </a:extLst>
           </p:cNvPr>
@@ -5354,18 +5630,88 @@
           <a:bodyPr/>
           <a:lstStyle/>
           <a:p>
-            <a:r>
-              <a:rPr kumimoji="1" lang="ja-JP" altLang="en-US"/>
-              <a:t>ボタンを押したら</a:t>
-            </a:r>
-            <a:r>
-              <a:rPr lang="en-US" altLang="ja-JP" dirty="0"/>
-              <a:t> Hello World</a:t>
-            </a:r>
-            <a:r>
-              <a:rPr lang="ja-JP" altLang="en-US"/>
-              <a:t> するようにしよう</a:t>
-            </a:r>
+            <a:endParaRPr kumimoji="1" lang="ja-JP" altLang="en-US"/>
+          </a:p>
+        </p:txBody>
+      </p:sp>
+      <p:pic>
+        <p:nvPicPr>
+          <p:cNvPr id="4" name="図 3">
+            <a:extLst>
+              <a:ext uri="{FF2B5EF4-FFF2-40B4-BE49-F238E27FC236}">
+                <a16:creationId xmlns:a16="http://schemas.microsoft.com/office/drawing/2014/main" id="{727C8E31-DCA8-F74A-BFB2-007310C9A11D}"/>
+              </a:ext>
+            </a:extLst>
+          </p:cNvPr>
+          <p:cNvPicPr>
+            <a:picLocks noChangeAspect="1"/>
+          </p:cNvPicPr>
+          <p:nvPr/>
+        </p:nvPicPr>
+        <p:blipFill>
+          <a:blip r:embed="rId2"/>
+          <a:stretch>
+            <a:fillRect/>
+          </a:stretch>
+        </p:blipFill>
+        <p:spPr>
+          <a:xfrm>
+            <a:off x="1382486" y="1801467"/>
+            <a:ext cx="5918588" cy="5056533"/>
+          </a:xfrm>
+          <a:prstGeom prst="rect">
+            <a:avLst/>
+          </a:prstGeom>
+        </p:spPr>
+      </p:pic>
+      <p:sp>
+        <p:nvSpPr>
+          <p:cNvPr id="5" name="正方形/長方形 4">
+            <a:extLst>
+              <a:ext uri="{FF2B5EF4-FFF2-40B4-BE49-F238E27FC236}">
+                <a16:creationId xmlns:a16="http://schemas.microsoft.com/office/drawing/2014/main" id="{EB0D10ED-5A3F-A744-B5C1-211616D0D294}"/>
+              </a:ext>
+            </a:extLst>
+          </p:cNvPr>
+          <p:cNvSpPr/>
+          <p:nvPr/>
+        </p:nvSpPr>
+        <p:spPr>
+          <a:xfrm>
+            <a:off x="6814457" y="1750456"/>
+            <a:ext cx="486617" cy="322558"/>
+          </a:xfrm>
+          <a:prstGeom prst="rect">
+            <a:avLst/>
+          </a:prstGeom>
+          <a:noFill/>
+          <a:ln w="76200">
+            <a:solidFill>
+              <a:srgbClr val="FF4F79"/>
+            </a:solidFill>
+          </a:ln>
+        </p:spPr>
+        <p:style>
+          <a:lnRef idx="2">
+            <a:schemeClr val="accent1">
+              <a:shade val="50000"/>
+            </a:schemeClr>
+          </a:lnRef>
+          <a:fillRef idx="1">
+            <a:schemeClr val="accent1"/>
+          </a:fillRef>
+          <a:effectRef idx="0">
+            <a:schemeClr val="accent1"/>
+          </a:effectRef>
+          <a:fontRef idx="minor">
+            <a:schemeClr val="lt1"/>
+          </a:fontRef>
+        </p:style>
+        <p:txBody>
+          <a:bodyPr rtlCol="0" anchor="ctr"/>
+          <a:lstStyle/>
+          <a:p>
+            <a:pPr algn="ctr"/>
             <a:endParaRPr kumimoji="1" lang="ja-JP" altLang="en-US"/>
           </a:p>
         </p:txBody>
@@ -5373,7 +5719,7 @@
     </p:spTree>
     <p:extLst>
       <p:ext uri="{BB962C8B-B14F-4D97-AF65-F5344CB8AC3E}">
-        <p14:creationId xmlns:p14="http://schemas.microsoft.com/office/powerpoint/2010/main" val="4256771839"/>
+        <p14:creationId xmlns:p14="http://schemas.microsoft.com/office/powerpoint/2010/main" val="336361458"/>
       </p:ext>
     </p:extLst>
   </p:cSld>
@@ -5405,7 +5751,7 @@
           <p:cNvPr id="2" name="タイトル 1">
             <a:extLst>
               <a:ext uri="{FF2B5EF4-FFF2-40B4-BE49-F238E27FC236}">
-                <a16:creationId xmlns:a16="http://schemas.microsoft.com/office/drawing/2014/main" id="{1C554F48-963C-E94F-BEA0-DC334A96A609}"/>
+                <a16:creationId xmlns:a16="http://schemas.microsoft.com/office/drawing/2014/main" id="{872C2C39-8DD2-504E-975D-DE072CFD52C0}"/>
               </a:ext>
             </a:extLst>
           </p:cNvPr>
@@ -5423,7 +5769,15 @@
           <a:p>
             <a:r>
               <a:rPr kumimoji="1" lang="ja-JP" altLang="en-US"/>
-              <a:t>演習</a:t>
+              <a:t>いくつかの</a:t>
+            </a:r>
+            <a:r>
+              <a:rPr kumimoji="1" lang="en-US" altLang="ja-JP" dirty="0"/>
+              <a:t>UI</a:t>
+            </a:r>
+            <a:r>
+              <a:rPr kumimoji="1" lang="ja-JP" altLang="en-US"/>
+              <a:t>パーツ</a:t>
             </a:r>
           </a:p>
         </p:txBody>
@@ -5433,7 +5787,7 @@
           <p:cNvPr id="3" name="コンテンツ プレースホルダー 2">
             <a:extLst>
               <a:ext uri="{FF2B5EF4-FFF2-40B4-BE49-F238E27FC236}">
-                <a16:creationId xmlns:a16="http://schemas.microsoft.com/office/drawing/2014/main" id="{24748B36-099C-EB41-804B-EDE6DF5487D1}"/>
+                <a16:creationId xmlns:a16="http://schemas.microsoft.com/office/drawing/2014/main" id="{2DD6E052-B91D-5B42-B86A-CA3A0C63AEFB}"/>
               </a:ext>
             </a:extLst>
           </p:cNvPr>
@@ -5450,24 +5804,276 @@
           <a:lstStyle/>
           <a:p>
             <a:r>
+              <a:rPr kumimoji="1" lang="en-US" altLang="ja-JP" dirty="0"/>
+              <a:t>Label</a:t>
+            </a:r>
+          </a:p>
+          <a:p>
+            <a:pPr lvl="1"/>
+            <a:r>
+              <a:rPr kumimoji="1" lang="en-US" altLang="ja-JP" dirty="0" err="1"/>
+              <a:t>label.text</a:t>
+            </a:r>
+            <a:r>
+              <a:rPr kumimoji="1" lang="en-US" altLang="ja-JP" dirty="0"/>
+              <a:t> = “</a:t>
+            </a:r>
+            <a:r>
               <a:rPr kumimoji="1" lang="ja-JP" altLang="en-US"/>
-              <a:t>ボタンを押したら</a:t>
+              <a:t>文字列がいれられるよ</a:t>
             </a:r>
             <a:r>
               <a:rPr kumimoji="1" lang="en-US" altLang="ja-JP" dirty="0"/>
-              <a:t>View</a:t>
-            </a:r>
-            <a:r>
-              <a:rPr kumimoji="1" lang="ja-JP" altLang="en-US"/>
-              <a:t>の色を赤くしよう</a:t>
-            </a:r>
-          </a:p>
-        </p:txBody>
-      </p:sp>
+              <a:t>”</a:t>
+            </a:r>
+          </a:p>
+          <a:p>
+            <a:r>
+              <a:rPr lang="en-US" altLang="ja-JP" dirty="0"/>
+              <a:t>Button</a:t>
+            </a:r>
+          </a:p>
+          <a:p>
+            <a:pPr lvl="1"/>
+            <a:r>
+              <a:rPr lang="en-US" altLang="ja-JP" dirty="0"/>
+              <a:t>Ctrl+</a:t>
+            </a:r>
+            <a:r>
+              <a:rPr lang="ja-JP" altLang="en-US"/>
+              <a:t>ドラック</a:t>
+            </a:r>
+            <a:r>
+              <a:rPr lang="en-US" altLang="ja-JP" dirty="0"/>
+              <a:t>&amp;</a:t>
+            </a:r>
+            <a:r>
+              <a:rPr lang="ja-JP" altLang="en-US"/>
+              <a:t>ドロップ</a:t>
+            </a:r>
+            <a:r>
+              <a:rPr lang="en-US" altLang="ja-JP" dirty="0"/>
+              <a:t> </a:t>
+            </a:r>
+            <a:r>
+              <a:rPr lang="ja-JP" altLang="en-US"/>
+              <a:t>でタップしたときの</a:t>
+            </a:r>
+            <a:br>
+              <a:rPr lang="en-US" altLang="ja-JP" dirty="0"/>
+            </a:br>
+            <a:r>
+              <a:rPr lang="ja-JP" altLang="en-US"/>
+              <a:t>処理をかける</a:t>
+            </a:r>
+            <a:endParaRPr lang="en-US" altLang="ja-JP" dirty="0"/>
+          </a:p>
+          <a:p>
+            <a:r>
+              <a:rPr lang="en-US" altLang="ja-JP" dirty="0"/>
+              <a:t>Segue</a:t>
+            </a:r>
+          </a:p>
+          <a:p>
+            <a:pPr lvl="1"/>
+            <a:r>
+              <a:rPr lang="en-US" altLang="ja-JP" dirty="0"/>
+              <a:t>GUI</a:t>
+            </a:r>
+            <a:r>
+              <a:rPr lang="ja-JP" altLang="en-US"/>
+              <a:t>上で画面遷移を設定するときに使う</a:t>
+            </a:r>
+            <a:endParaRPr lang="en-US" altLang="ja-JP" dirty="0"/>
+          </a:p>
+          <a:p>
+            <a:pPr marL="313200" lvl="1" indent="0">
+              <a:buNone/>
+            </a:pPr>
+            <a:endParaRPr lang="en-US" altLang="ja-JP" dirty="0"/>
+          </a:p>
+          <a:p>
+            <a:endParaRPr lang="en-US" altLang="ja-JP" dirty="0"/>
+          </a:p>
+          <a:p>
+            <a:pPr lvl="1"/>
+            <a:endParaRPr lang="en-US" altLang="ja-JP" dirty="0"/>
+          </a:p>
+          <a:p>
+            <a:pPr lvl="1"/>
+            <a:endParaRPr lang="en-US" altLang="ja-JP" dirty="0"/>
+          </a:p>
+          <a:p>
+            <a:endParaRPr kumimoji="1" lang="ja-JP" altLang="en-US"/>
+          </a:p>
+        </p:txBody>
+      </p:sp>
+      <p:pic>
+        <p:nvPicPr>
+          <p:cNvPr id="4" name="図 3">
+            <a:extLst>
+              <a:ext uri="{FF2B5EF4-FFF2-40B4-BE49-F238E27FC236}">
+                <a16:creationId xmlns:a16="http://schemas.microsoft.com/office/drawing/2014/main" id="{DC884979-FF1C-854C-A9C7-86703C4C6AC3}"/>
+              </a:ext>
+            </a:extLst>
+          </p:cNvPr>
+          <p:cNvPicPr>
+            <a:picLocks noChangeAspect="1"/>
+          </p:cNvPicPr>
+          <p:nvPr/>
+        </p:nvPicPr>
+        <p:blipFill>
+          <a:blip r:embed="rId2"/>
+          <a:stretch>
+            <a:fillRect/>
+          </a:stretch>
+        </p:blipFill>
+        <p:spPr>
+          <a:xfrm>
+            <a:off x="6735200" y="4234542"/>
+            <a:ext cx="2485907" cy="2544939"/>
+          </a:xfrm>
+          <a:prstGeom prst="rect">
+            <a:avLst/>
+          </a:prstGeom>
+        </p:spPr>
+      </p:pic>
     </p:spTree>
     <p:extLst>
       <p:ext uri="{BB962C8B-B14F-4D97-AF65-F5344CB8AC3E}">
-        <p14:creationId xmlns:p14="http://schemas.microsoft.com/office/powerpoint/2010/main" val="1143552511"/>
+        <p14:creationId xmlns:p14="http://schemas.microsoft.com/office/powerpoint/2010/main" val="724146222"/>
+      </p:ext>
+    </p:extLst>
+  </p:cSld>
+  <p:clrMapOvr>
+    <a:masterClrMapping/>
+  </p:clrMapOvr>
+</p:sld>
+</file>
+
+<file path=ppt/slides/slide9.xml><?xml version="1.0" encoding="utf-8"?>
+<p:sld xmlns:a="http://schemas.openxmlformats.org/drawingml/2006/main" xmlns:r="http://schemas.openxmlformats.org/officeDocument/2006/relationships" xmlns:p="http://schemas.openxmlformats.org/presentationml/2006/main">
+  <p:cSld>
+    <p:spTree>
+      <p:nvGrpSpPr>
+        <p:cNvPr id="1" name=""/>
+        <p:cNvGrpSpPr/>
+        <p:nvPr/>
+      </p:nvGrpSpPr>
+      <p:grpSpPr>
+        <a:xfrm>
+          <a:off x="0" y="0"/>
+          <a:ext cx="0" cy="0"/>
+          <a:chOff x="0" y="0"/>
+          <a:chExt cx="0" cy="0"/>
+        </a:xfrm>
+      </p:grpSpPr>
+      <p:sp>
+        <p:nvSpPr>
+          <p:cNvPr id="2" name="タイトル 1">
+            <a:extLst>
+              <a:ext uri="{FF2B5EF4-FFF2-40B4-BE49-F238E27FC236}">
+                <a16:creationId xmlns:a16="http://schemas.microsoft.com/office/drawing/2014/main" id="{3DF27756-9AAC-5747-AE6C-E2FFBD48DA94}"/>
+              </a:ext>
+            </a:extLst>
+          </p:cNvPr>
+          <p:cNvSpPr>
+            <a:spLocks noGrp="1"/>
+          </p:cNvSpPr>
+          <p:nvPr>
+            <p:ph type="title"/>
+          </p:nvPr>
+        </p:nvSpPr>
+        <p:spPr/>
+        <p:txBody>
+          <a:bodyPr/>
+          <a:lstStyle/>
+          <a:p>
+            <a:r>
+              <a:rPr kumimoji="1" lang="en-US" altLang="ja-JP" dirty="0"/>
+              <a:t>Storyboard</a:t>
+            </a:r>
+            <a:r>
+              <a:rPr kumimoji="1" lang="ja-JP" altLang="en-US"/>
+              <a:t>操作</a:t>
+            </a:r>
+          </a:p>
+        </p:txBody>
+      </p:sp>
+      <p:sp>
+        <p:nvSpPr>
+          <p:cNvPr id="3" name="コンテンツ プレースホルダー 2">
+            <a:extLst>
+              <a:ext uri="{FF2B5EF4-FFF2-40B4-BE49-F238E27FC236}">
+                <a16:creationId xmlns:a16="http://schemas.microsoft.com/office/drawing/2014/main" id="{28DA6E05-C74D-7142-8327-4400F846206C}"/>
+              </a:ext>
+            </a:extLst>
+          </p:cNvPr>
+          <p:cNvSpPr>
+            <a:spLocks noGrp="1"/>
+          </p:cNvSpPr>
+          <p:nvPr>
+            <p:ph idx="1"/>
+          </p:nvPr>
+        </p:nvSpPr>
+        <p:spPr/>
+        <p:txBody>
+          <a:bodyPr/>
+          <a:lstStyle/>
+          <a:p>
+            <a:r>
+              <a:rPr kumimoji="1" lang="en-US" altLang="ja-JP" dirty="0" err="1"/>
+              <a:t>Cmd</a:t>
+            </a:r>
+            <a:r>
+              <a:rPr kumimoji="1" lang="en-US" altLang="ja-JP" dirty="0"/>
+              <a:t> + </a:t>
+            </a:r>
+            <a:r>
+              <a:rPr kumimoji="1" lang="ja-JP" altLang="en-US"/>
+              <a:t>ファイルクリックで</a:t>
+            </a:r>
+            <a:r>
+              <a:rPr lang="ja-JP" altLang="en-US"/>
+              <a:t>横並びに</a:t>
+            </a:r>
+            <a:endParaRPr lang="en-US" altLang="ja-JP" dirty="0"/>
+          </a:p>
+          <a:p>
+            <a:r>
+              <a:rPr kumimoji="1" lang="en-US" altLang="ja-JP" dirty="0"/>
+              <a:t>Ctrl</a:t>
+            </a:r>
+            <a:r>
+              <a:rPr kumimoji="1" lang="ja-JP" altLang="en-US"/>
+              <a:t>＋ドラッグ</a:t>
+            </a:r>
+            <a:r>
+              <a:rPr kumimoji="1" lang="en-US" altLang="ja-JP" dirty="0"/>
+              <a:t>&amp;</a:t>
+            </a:r>
+            <a:r>
+              <a:rPr kumimoji="1" lang="ja-JP" altLang="en-US"/>
+              <a:t>ドロップで部品に</a:t>
+            </a:r>
+            <a:br>
+              <a:rPr lang="en-US" altLang="ja-JP" dirty="0"/>
+            </a:br>
+            <a:r>
+              <a:rPr kumimoji="1" lang="ja-JP" altLang="en-US"/>
+              <a:t>アクションをつける</a:t>
+            </a:r>
+            <a:endParaRPr kumimoji="1" lang="en-US" altLang="ja-JP" dirty="0"/>
+          </a:p>
+          <a:p>
+            <a:endParaRPr kumimoji="1" lang="en-US" altLang="ja-JP" dirty="0"/>
+          </a:p>
+        </p:txBody>
+      </p:sp>
+    </p:spTree>
+    <p:extLst>
+      <p:ext uri="{BB962C8B-B14F-4D97-AF65-F5344CB8AC3E}">
+        <p14:creationId xmlns:p14="http://schemas.microsoft.com/office/powerpoint/2010/main" val="4203192845"/>
       </p:ext>
     </p:extLst>
   </p:cSld>
